--- a/ppt 16-9/0785.试炼.pptx
+++ b/ppt 16-9/0785.试炼.pptx
@@ -5,7 +5,7 @@
     <p:sldMasterId id="2147483648" r:id="rId1"/>
   </p:sldMasterIdLst>
   <p:sldIdLst>
-    <p:sldId id="2049" r:id="rId2"/>
+    <p:sldId id="2051" r:id="rId2"/>
   </p:sldIdLst>
   <p:sldSz cx="12192000" cy="6858000"/>
   <p:notesSz cx="6858000" cy="9144000"/>
@@ -129,7 +129,7 @@
           <p:cNvPr id="2" name="标题 1">
             <a:extLst>
               <a:ext uri="{FF2B5EF4-FFF2-40B4-BE49-F238E27FC236}">
-                <a16:creationId xmlns:a16="http://schemas.microsoft.com/office/drawing/2014/main" id="{CDA22FCB-09A1-229A-D5AB-2453719D4C3C}"/>
+                <a16:creationId xmlns:a16="http://schemas.microsoft.com/office/drawing/2014/main" id="{60156F9D-5CA2-DA91-17D1-DF2A98200717}"/>
               </a:ext>
             </a:extLst>
           </p:cNvPr>
@@ -166,7 +166,7 @@
           <p:cNvPr id="3" name="副标题 2">
             <a:extLst>
               <a:ext uri="{FF2B5EF4-FFF2-40B4-BE49-F238E27FC236}">
-                <a16:creationId xmlns:a16="http://schemas.microsoft.com/office/drawing/2014/main" id="{14C68205-064B-6C92-F583-A8884600DCBB}"/>
+                <a16:creationId xmlns:a16="http://schemas.microsoft.com/office/drawing/2014/main" id="{D6D7BB38-F4F5-31A5-53C1-6A4604913D79}"/>
               </a:ext>
             </a:extLst>
           </p:cNvPr>
@@ -236,7 +236,7 @@
           <p:cNvPr id="4" name="日期占位符 3">
             <a:extLst>
               <a:ext uri="{FF2B5EF4-FFF2-40B4-BE49-F238E27FC236}">
-                <a16:creationId xmlns:a16="http://schemas.microsoft.com/office/drawing/2014/main" id="{3109998C-386B-5792-89C4-A9E9CD7793A1}"/>
+                <a16:creationId xmlns:a16="http://schemas.microsoft.com/office/drawing/2014/main" id="{D30CFD6B-898B-CDDD-CFEB-BAED1C30978F}"/>
               </a:ext>
             </a:extLst>
           </p:cNvPr>
@@ -252,7 +252,7 @@
           <a:bodyPr/>
           <a:lstStyle/>
           <a:p>
-            <a:fld id="{F629FCA8-2339-49E5-A69E-7BF76367EAB5}" type="datetimeFigureOut">
+            <a:fld id="{39D97BA3-1DD4-4914-B79A-2A256B2D12C9}" type="datetimeFigureOut">
               <a:rPr lang="zh-CN" altLang="en-US" smtClean="0"/>
               <a:t>2024/3/10</a:t>
             </a:fld>
@@ -265,7 +265,7 @@
           <p:cNvPr id="5" name="页脚占位符 4">
             <a:extLst>
               <a:ext uri="{FF2B5EF4-FFF2-40B4-BE49-F238E27FC236}">
-                <a16:creationId xmlns:a16="http://schemas.microsoft.com/office/drawing/2014/main" id="{B0CD8BC8-716D-F4A4-4536-3927A887ECB0}"/>
+                <a16:creationId xmlns:a16="http://schemas.microsoft.com/office/drawing/2014/main" id="{E8E149BE-93CC-AB9B-CD8E-6187BC4795B8}"/>
               </a:ext>
             </a:extLst>
           </p:cNvPr>
@@ -290,7 +290,7 @@
           <p:cNvPr id="6" name="灯片编号占位符 5">
             <a:extLst>
               <a:ext uri="{FF2B5EF4-FFF2-40B4-BE49-F238E27FC236}">
-                <a16:creationId xmlns:a16="http://schemas.microsoft.com/office/drawing/2014/main" id="{256DD8E0-7074-D463-E480-20EB041699A4}"/>
+                <a16:creationId xmlns:a16="http://schemas.microsoft.com/office/drawing/2014/main" id="{051CB8A1-C576-BD9C-6CAA-B27B45174380}"/>
               </a:ext>
             </a:extLst>
           </p:cNvPr>
@@ -306,7 +306,7 @@
           <a:bodyPr/>
           <a:lstStyle/>
           <a:p>
-            <a:fld id="{19005E58-2C6C-450B-A3F0-3AEA9F9FF0C8}" type="slidenum">
+            <a:fld id="{2C8C33BE-439E-4DE9-999D-744D9B4C5248}" type="slidenum">
               <a:rPr lang="zh-CN" altLang="en-US" smtClean="0"/>
               <a:t>‹#›</a:t>
             </a:fld>
@@ -317,7 +317,7 @@
     </p:spTree>
     <p:extLst>
       <p:ext uri="{BB962C8B-B14F-4D97-AF65-F5344CB8AC3E}">
-        <p14:creationId xmlns:p14="http://schemas.microsoft.com/office/powerpoint/2010/main" val="772868045"/>
+        <p14:creationId xmlns:p14="http://schemas.microsoft.com/office/powerpoint/2010/main" val="2804113334"/>
       </p:ext>
     </p:extLst>
   </p:cSld>
@@ -349,7 +349,7 @@
           <p:cNvPr id="2" name="标题 1">
             <a:extLst>
               <a:ext uri="{FF2B5EF4-FFF2-40B4-BE49-F238E27FC236}">
-                <a16:creationId xmlns:a16="http://schemas.microsoft.com/office/drawing/2014/main" id="{B939FFF6-A1A8-C148-6613-D689A762D6E7}"/>
+                <a16:creationId xmlns:a16="http://schemas.microsoft.com/office/drawing/2014/main" id="{9CA51ED0-479F-7263-F9C3-30EBE8C97AA7}"/>
               </a:ext>
             </a:extLst>
           </p:cNvPr>
@@ -377,7 +377,7 @@
           <p:cNvPr id="3" name="竖排文字占位符 2">
             <a:extLst>
               <a:ext uri="{FF2B5EF4-FFF2-40B4-BE49-F238E27FC236}">
-                <a16:creationId xmlns:a16="http://schemas.microsoft.com/office/drawing/2014/main" id="{D2FB8087-CB8E-EF23-E2E2-0C36930A3A54}"/>
+                <a16:creationId xmlns:a16="http://schemas.microsoft.com/office/drawing/2014/main" id="{2FC00915-5FB0-4A95-6C51-BA5293FF7FD4}"/>
               </a:ext>
             </a:extLst>
           </p:cNvPr>
@@ -434,7 +434,7 @@
           <p:cNvPr id="4" name="日期占位符 3">
             <a:extLst>
               <a:ext uri="{FF2B5EF4-FFF2-40B4-BE49-F238E27FC236}">
-                <a16:creationId xmlns:a16="http://schemas.microsoft.com/office/drawing/2014/main" id="{7C036944-EDE5-5C7F-2533-D37EC690A018}"/>
+                <a16:creationId xmlns:a16="http://schemas.microsoft.com/office/drawing/2014/main" id="{746632CF-0E9C-394A-A6CD-367A7CA04FA2}"/>
               </a:ext>
             </a:extLst>
           </p:cNvPr>
@@ -450,7 +450,7 @@
           <a:bodyPr/>
           <a:lstStyle/>
           <a:p>
-            <a:fld id="{F629FCA8-2339-49E5-A69E-7BF76367EAB5}" type="datetimeFigureOut">
+            <a:fld id="{39D97BA3-1DD4-4914-B79A-2A256B2D12C9}" type="datetimeFigureOut">
               <a:rPr lang="zh-CN" altLang="en-US" smtClean="0"/>
               <a:t>2024/3/10</a:t>
             </a:fld>
@@ -463,7 +463,7 @@
           <p:cNvPr id="5" name="页脚占位符 4">
             <a:extLst>
               <a:ext uri="{FF2B5EF4-FFF2-40B4-BE49-F238E27FC236}">
-                <a16:creationId xmlns:a16="http://schemas.microsoft.com/office/drawing/2014/main" id="{D9C59EC2-8F58-0C90-8E50-2DA6B8FB349D}"/>
+                <a16:creationId xmlns:a16="http://schemas.microsoft.com/office/drawing/2014/main" id="{FB1C5B66-E401-3BAF-F35A-B62B40BE6A47}"/>
               </a:ext>
             </a:extLst>
           </p:cNvPr>
@@ -488,7 +488,7 @@
           <p:cNvPr id="6" name="灯片编号占位符 5">
             <a:extLst>
               <a:ext uri="{FF2B5EF4-FFF2-40B4-BE49-F238E27FC236}">
-                <a16:creationId xmlns:a16="http://schemas.microsoft.com/office/drawing/2014/main" id="{BEAA277F-DD9E-56F8-5BC5-6656935C3B2E}"/>
+                <a16:creationId xmlns:a16="http://schemas.microsoft.com/office/drawing/2014/main" id="{CAE47C1B-B0F5-4DCD-2073-3AB774F006B6}"/>
               </a:ext>
             </a:extLst>
           </p:cNvPr>
@@ -504,7 +504,7 @@
           <a:bodyPr/>
           <a:lstStyle/>
           <a:p>
-            <a:fld id="{19005E58-2C6C-450B-A3F0-3AEA9F9FF0C8}" type="slidenum">
+            <a:fld id="{2C8C33BE-439E-4DE9-999D-744D9B4C5248}" type="slidenum">
               <a:rPr lang="zh-CN" altLang="en-US" smtClean="0"/>
               <a:t>‹#›</a:t>
             </a:fld>
@@ -515,7 +515,7 @@
     </p:spTree>
     <p:extLst>
       <p:ext uri="{BB962C8B-B14F-4D97-AF65-F5344CB8AC3E}">
-        <p14:creationId xmlns:p14="http://schemas.microsoft.com/office/powerpoint/2010/main" val="3791404004"/>
+        <p14:creationId xmlns:p14="http://schemas.microsoft.com/office/powerpoint/2010/main" val="3269738478"/>
       </p:ext>
     </p:extLst>
   </p:cSld>
@@ -547,7 +547,7 @@
           <p:cNvPr id="2" name="竖排标题 1">
             <a:extLst>
               <a:ext uri="{FF2B5EF4-FFF2-40B4-BE49-F238E27FC236}">
-                <a16:creationId xmlns:a16="http://schemas.microsoft.com/office/drawing/2014/main" id="{26F400CF-DDCE-F006-2557-51B0FA535839}"/>
+                <a16:creationId xmlns:a16="http://schemas.microsoft.com/office/drawing/2014/main" id="{8F3AEBE8-6832-A6CC-F397-A743634F1D41}"/>
               </a:ext>
             </a:extLst>
           </p:cNvPr>
@@ -580,7 +580,7 @@
           <p:cNvPr id="3" name="竖排文字占位符 2">
             <a:extLst>
               <a:ext uri="{FF2B5EF4-FFF2-40B4-BE49-F238E27FC236}">
-                <a16:creationId xmlns:a16="http://schemas.microsoft.com/office/drawing/2014/main" id="{CF86BBBE-FDCE-C40D-99B2-7324FC4D5108}"/>
+                <a16:creationId xmlns:a16="http://schemas.microsoft.com/office/drawing/2014/main" id="{F0A70F1C-895B-DFB4-37A1-6FA5E40B7AB9}"/>
               </a:ext>
             </a:extLst>
           </p:cNvPr>
@@ -642,7 +642,7 @@
           <p:cNvPr id="4" name="日期占位符 3">
             <a:extLst>
               <a:ext uri="{FF2B5EF4-FFF2-40B4-BE49-F238E27FC236}">
-                <a16:creationId xmlns:a16="http://schemas.microsoft.com/office/drawing/2014/main" id="{817AD797-67E0-B4FE-FD5A-A435F0283199}"/>
+                <a16:creationId xmlns:a16="http://schemas.microsoft.com/office/drawing/2014/main" id="{1C1F8CAD-33F2-8FBC-6B80-89CE6F1F154D}"/>
               </a:ext>
             </a:extLst>
           </p:cNvPr>
@@ -658,7 +658,7 @@
           <a:bodyPr/>
           <a:lstStyle/>
           <a:p>
-            <a:fld id="{F629FCA8-2339-49E5-A69E-7BF76367EAB5}" type="datetimeFigureOut">
+            <a:fld id="{39D97BA3-1DD4-4914-B79A-2A256B2D12C9}" type="datetimeFigureOut">
               <a:rPr lang="zh-CN" altLang="en-US" smtClean="0"/>
               <a:t>2024/3/10</a:t>
             </a:fld>
@@ -671,7 +671,7 @@
           <p:cNvPr id="5" name="页脚占位符 4">
             <a:extLst>
               <a:ext uri="{FF2B5EF4-FFF2-40B4-BE49-F238E27FC236}">
-                <a16:creationId xmlns:a16="http://schemas.microsoft.com/office/drawing/2014/main" id="{30755DDE-4982-94D1-CF76-281749C94D10}"/>
+                <a16:creationId xmlns:a16="http://schemas.microsoft.com/office/drawing/2014/main" id="{0AA086F0-15D4-8405-31AE-EA6D469239D9}"/>
               </a:ext>
             </a:extLst>
           </p:cNvPr>
@@ -696,7 +696,7 @@
           <p:cNvPr id="6" name="灯片编号占位符 5">
             <a:extLst>
               <a:ext uri="{FF2B5EF4-FFF2-40B4-BE49-F238E27FC236}">
-                <a16:creationId xmlns:a16="http://schemas.microsoft.com/office/drawing/2014/main" id="{176AC13C-B628-8934-9506-D591D6E09519}"/>
+                <a16:creationId xmlns:a16="http://schemas.microsoft.com/office/drawing/2014/main" id="{9846B233-DCA6-364A-C5D5-C0DE0C10F3E6}"/>
               </a:ext>
             </a:extLst>
           </p:cNvPr>
@@ -712,7 +712,7 @@
           <a:bodyPr/>
           <a:lstStyle/>
           <a:p>
-            <a:fld id="{19005E58-2C6C-450B-A3F0-3AEA9F9FF0C8}" type="slidenum">
+            <a:fld id="{2C8C33BE-439E-4DE9-999D-744D9B4C5248}" type="slidenum">
               <a:rPr lang="zh-CN" altLang="en-US" smtClean="0"/>
               <a:t>‹#›</a:t>
             </a:fld>
@@ -723,7 +723,7 @@
     </p:spTree>
     <p:extLst>
       <p:ext uri="{BB962C8B-B14F-4D97-AF65-F5344CB8AC3E}">
-        <p14:creationId xmlns:p14="http://schemas.microsoft.com/office/powerpoint/2010/main" val="2416105873"/>
+        <p14:creationId xmlns:p14="http://schemas.microsoft.com/office/powerpoint/2010/main" val="1069550452"/>
       </p:ext>
     </p:extLst>
   </p:cSld>
@@ -755,7 +755,7 @@
           <p:cNvPr id="2" name="标题 1">
             <a:extLst>
               <a:ext uri="{FF2B5EF4-FFF2-40B4-BE49-F238E27FC236}">
-                <a16:creationId xmlns:a16="http://schemas.microsoft.com/office/drawing/2014/main" id="{AB3B021E-79E0-EC8F-9AE6-A36ED64E01CA}"/>
+                <a16:creationId xmlns:a16="http://schemas.microsoft.com/office/drawing/2014/main" id="{B7D0F0B3-7065-E5D1-4E56-29FB1C9A76FF}"/>
               </a:ext>
             </a:extLst>
           </p:cNvPr>
@@ -783,7 +783,7 @@
           <p:cNvPr id="3" name="内容占位符 2">
             <a:extLst>
               <a:ext uri="{FF2B5EF4-FFF2-40B4-BE49-F238E27FC236}">
-                <a16:creationId xmlns:a16="http://schemas.microsoft.com/office/drawing/2014/main" id="{D64525FF-C40D-374B-A311-4F3F783EB288}"/>
+                <a16:creationId xmlns:a16="http://schemas.microsoft.com/office/drawing/2014/main" id="{C32788F1-5A53-AFAB-362D-4C0462C78814}"/>
               </a:ext>
             </a:extLst>
           </p:cNvPr>
@@ -840,7 +840,7 @@
           <p:cNvPr id="4" name="日期占位符 3">
             <a:extLst>
               <a:ext uri="{FF2B5EF4-FFF2-40B4-BE49-F238E27FC236}">
-                <a16:creationId xmlns:a16="http://schemas.microsoft.com/office/drawing/2014/main" id="{5A40CB65-C904-C800-FE69-6527B5F25812}"/>
+                <a16:creationId xmlns:a16="http://schemas.microsoft.com/office/drawing/2014/main" id="{89977109-6604-ADAE-DC58-602679D65A7D}"/>
               </a:ext>
             </a:extLst>
           </p:cNvPr>
@@ -856,7 +856,7 @@
           <a:bodyPr/>
           <a:lstStyle/>
           <a:p>
-            <a:fld id="{F629FCA8-2339-49E5-A69E-7BF76367EAB5}" type="datetimeFigureOut">
+            <a:fld id="{39D97BA3-1DD4-4914-B79A-2A256B2D12C9}" type="datetimeFigureOut">
               <a:rPr lang="zh-CN" altLang="en-US" smtClean="0"/>
               <a:t>2024/3/10</a:t>
             </a:fld>
@@ -869,7 +869,7 @@
           <p:cNvPr id="5" name="页脚占位符 4">
             <a:extLst>
               <a:ext uri="{FF2B5EF4-FFF2-40B4-BE49-F238E27FC236}">
-                <a16:creationId xmlns:a16="http://schemas.microsoft.com/office/drawing/2014/main" id="{60174876-0A01-F151-87B3-78769B73AB04}"/>
+                <a16:creationId xmlns:a16="http://schemas.microsoft.com/office/drawing/2014/main" id="{0C018FEA-5594-0156-E92A-0C74C7EA1A28}"/>
               </a:ext>
             </a:extLst>
           </p:cNvPr>
@@ -894,7 +894,7 @@
           <p:cNvPr id="6" name="灯片编号占位符 5">
             <a:extLst>
               <a:ext uri="{FF2B5EF4-FFF2-40B4-BE49-F238E27FC236}">
-                <a16:creationId xmlns:a16="http://schemas.microsoft.com/office/drawing/2014/main" id="{4B87915E-F2FB-74DB-F314-40B068198236}"/>
+                <a16:creationId xmlns:a16="http://schemas.microsoft.com/office/drawing/2014/main" id="{72FCD4BD-6E14-5961-4673-AE70670CC15D}"/>
               </a:ext>
             </a:extLst>
           </p:cNvPr>
@@ -910,7 +910,7 @@
           <a:bodyPr/>
           <a:lstStyle/>
           <a:p>
-            <a:fld id="{19005E58-2C6C-450B-A3F0-3AEA9F9FF0C8}" type="slidenum">
+            <a:fld id="{2C8C33BE-439E-4DE9-999D-744D9B4C5248}" type="slidenum">
               <a:rPr lang="zh-CN" altLang="en-US" smtClean="0"/>
               <a:t>‹#›</a:t>
             </a:fld>
@@ -921,7 +921,7 @@
     </p:spTree>
     <p:extLst>
       <p:ext uri="{BB962C8B-B14F-4D97-AF65-F5344CB8AC3E}">
-        <p14:creationId xmlns:p14="http://schemas.microsoft.com/office/powerpoint/2010/main" val="450933286"/>
+        <p14:creationId xmlns:p14="http://schemas.microsoft.com/office/powerpoint/2010/main" val="3897129347"/>
       </p:ext>
     </p:extLst>
   </p:cSld>
@@ -953,7 +953,7 @@
           <p:cNvPr id="2" name="标题 1">
             <a:extLst>
               <a:ext uri="{FF2B5EF4-FFF2-40B4-BE49-F238E27FC236}">
-                <a16:creationId xmlns:a16="http://schemas.microsoft.com/office/drawing/2014/main" id="{E9A4672C-B050-43FC-7A9B-FDFBF4D91DDE}"/>
+                <a16:creationId xmlns:a16="http://schemas.microsoft.com/office/drawing/2014/main" id="{AB257FF2-AD91-95EF-CE4F-008F6C0A90C5}"/>
               </a:ext>
             </a:extLst>
           </p:cNvPr>
@@ -990,7 +990,7 @@
           <p:cNvPr id="3" name="文本占位符 2">
             <a:extLst>
               <a:ext uri="{FF2B5EF4-FFF2-40B4-BE49-F238E27FC236}">
-                <a16:creationId xmlns:a16="http://schemas.microsoft.com/office/drawing/2014/main" id="{4E95380A-6EFF-28B8-2E40-CE1B1EAD29B0}"/>
+                <a16:creationId xmlns:a16="http://schemas.microsoft.com/office/drawing/2014/main" id="{E066C3AA-5DF3-E397-FB15-797A4B43481F}"/>
               </a:ext>
             </a:extLst>
           </p:cNvPr>
@@ -1115,7 +1115,7 @@
           <p:cNvPr id="4" name="日期占位符 3">
             <a:extLst>
               <a:ext uri="{FF2B5EF4-FFF2-40B4-BE49-F238E27FC236}">
-                <a16:creationId xmlns:a16="http://schemas.microsoft.com/office/drawing/2014/main" id="{256B5477-2F86-4BBD-F33F-8CF43D3E0FB3}"/>
+                <a16:creationId xmlns:a16="http://schemas.microsoft.com/office/drawing/2014/main" id="{AA45A800-0235-9046-1304-61E792246CA7}"/>
               </a:ext>
             </a:extLst>
           </p:cNvPr>
@@ -1131,7 +1131,7 @@
           <a:bodyPr/>
           <a:lstStyle/>
           <a:p>
-            <a:fld id="{F629FCA8-2339-49E5-A69E-7BF76367EAB5}" type="datetimeFigureOut">
+            <a:fld id="{39D97BA3-1DD4-4914-B79A-2A256B2D12C9}" type="datetimeFigureOut">
               <a:rPr lang="zh-CN" altLang="en-US" smtClean="0"/>
               <a:t>2024/3/10</a:t>
             </a:fld>
@@ -1144,7 +1144,7 @@
           <p:cNvPr id="5" name="页脚占位符 4">
             <a:extLst>
               <a:ext uri="{FF2B5EF4-FFF2-40B4-BE49-F238E27FC236}">
-                <a16:creationId xmlns:a16="http://schemas.microsoft.com/office/drawing/2014/main" id="{A39F70F3-B4CF-B526-B0E0-2BD31109775A}"/>
+                <a16:creationId xmlns:a16="http://schemas.microsoft.com/office/drawing/2014/main" id="{05B22F03-4AA2-4146-D23D-9A40220F6DFC}"/>
               </a:ext>
             </a:extLst>
           </p:cNvPr>
@@ -1169,7 +1169,7 @@
           <p:cNvPr id="6" name="灯片编号占位符 5">
             <a:extLst>
               <a:ext uri="{FF2B5EF4-FFF2-40B4-BE49-F238E27FC236}">
-                <a16:creationId xmlns:a16="http://schemas.microsoft.com/office/drawing/2014/main" id="{F8BCDCF9-2DB7-7EE4-14B4-FFC1C55D49EF}"/>
+                <a16:creationId xmlns:a16="http://schemas.microsoft.com/office/drawing/2014/main" id="{B564A445-8A0F-B4DB-CCF8-D299A5E2439B}"/>
               </a:ext>
             </a:extLst>
           </p:cNvPr>
@@ -1185,7 +1185,7 @@
           <a:bodyPr/>
           <a:lstStyle/>
           <a:p>
-            <a:fld id="{19005E58-2C6C-450B-A3F0-3AEA9F9FF0C8}" type="slidenum">
+            <a:fld id="{2C8C33BE-439E-4DE9-999D-744D9B4C5248}" type="slidenum">
               <a:rPr lang="zh-CN" altLang="en-US" smtClean="0"/>
               <a:t>‹#›</a:t>
             </a:fld>
@@ -1196,7 +1196,7 @@
     </p:spTree>
     <p:extLst>
       <p:ext uri="{BB962C8B-B14F-4D97-AF65-F5344CB8AC3E}">
-        <p14:creationId xmlns:p14="http://schemas.microsoft.com/office/powerpoint/2010/main" val="3727857967"/>
+        <p14:creationId xmlns:p14="http://schemas.microsoft.com/office/powerpoint/2010/main" val="1099060983"/>
       </p:ext>
     </p:extLst>
   </p:cSld>
@@ -1228,7 +1228,7 @@
           <p:cNvPr id="2" name="标题 1">
             <a:extLst>
               <a:ext uri="{FF2B5EF4-FFF2-40B4-BE49-F238E27FC236}">
-                <a16:creationId xmlns:a16="http://schemas.microsoft.com/office/drawing/2014/main" id="{13F1656C-F540-B660-5F51-2FB47D946DAF}"/>
+                <a16:creationId xmlns:a16="http://schemas.microsoft.com/office/drawing/2014/main" id="{34BCD76C-2DDF-8EC0-E602-411FD3FA1EB5}"/>
               </a:ext>
             </a:extLst>
           </p:cNvPr>
@@ -1256,7 +1256,7 @@
           <p:cNvPr id="3" name="内容占位符 2">
             <a:extLst>
               <a:ext uri="{FF2B5EF4-FFF2-40B4-BE49-F238E27FC236}">
-                <a16:creationId xmlns:a16="http://schemas.microsoft.com/office/drawing/2014/main" id="{CCCE6EDE-3A54-105B-5D95-65B69A726044}"/>
+                <a16:creationId xmlns:a16="http://schemas.microsoft.com/office/drawing/2014/main" id="{CD62EFAF-17CF-125B-F5D8-0218356DCDE7}"/>
               </a:ext>
             </a:extLst>
           </p:cNvPr>
@@ -1318,7 +1318,7 @@
           <p:cNvPr id="4" name="内容占位符 3">
             <a:extLst>
               <a:ext uri="{FF2B5EF4-FFF2-40B4-BE49-F238E27FC236}">
-                <a16:creationId xmlns:a16="http://schemas.microsoft.com/office/drawing/2014/main" id="{5DCBBFB6-437E-CB5F-131E-DE263667E0EE}"/>
+                <a16:creationId xmlns:a16="http://schemas.microsoft.com/office/drawing/2014/main" id="{931C1132-47C0-8D8A-0735-B2ABFA52D955}"/>
               </a:ext>
             </a:extLst>
           </p:cNvPr>
@@ -1380,7 +1380,7 @@
           <p:cNvPr id="5" name="日期占位符 4">
             <a:extLst>
               <a:ext uri="{FF2B5EF4-FFF2-40B4-BE49-F238E27FC236}">
-                <a16:creationId xmlns:a16="http://schemas.microsoft.com/office/drawing/2014/main" id="{812AE8E2-B767-B807-69D8-021A9AD0B886}"/>
+                <a16:creationId xmlns:a16="http://schemas.microsoft.com/office/drawing/2014/main" id="{E8CBDD1B-8710-A7AA-43FB-AB1C4D285A5F}"/>
               </a:ext>
             </a:extLst>
           </p:cNvPr>
@@ -1396,7 +1396,7 @@
           <a:bodyPr/>
           <a:lstStyle/>
           <a:p>
-            <a:fld id="{F629FCA8-2339-49E5-A69E-7BF76367EAB5}" type="datetimeFigureOut">
+            <a:fld id="{39D97BA3-1DD4-4914-B79A-2A256B2D12C9}" type="datetimeFigureOut">
               <a:rPr lang="zh-CN" altLang="en-US" smtClean="0"/>
               <a:t>2024/3/10</a:t>
             </a:fld>
@@ -1409,7 +1409,7 @@
           <p:cNvPr id="6" name="页脚占位符 5">
             <a:extLst>
               <a:ext uri="{FF2B5EF4-FFF2-40B4-BE49-F238E27FC236}">
-                <a16:creationId xmlns:a16="http://schemas.microsoft.com/office/drawing/2014/main" id="{1C0EC1B4-F51E-B29F-FE9C-700BE78A4277}"/>
+                <a16:creationId xmlns:a16="http://schemas.microsoft.com/office/drawing/2014/main" id="{8FD3F06A-95C2-0D0C-9122-2E18A048EB8C}"/>
               </a:ext>
             </a:extLst>
           </p:cNvPr>
@@ -1434,7 +1434,7 @@
           <p:cNvPr id="7" name="灯片编号占位符 6">
             <a:extLst>
               <a:ext uri="{FF2B5EF4-FFF2-40B4-BE49-F238E27FC236}">
-                <a16:creationId xmlns:a16="http://schemas.microsoft.com/office/drawing/2014/main" id="{4C650EEB-81DD-2175-7690-73D7C83E2097}"/>
+                <a16:creationId xmlns:a16="http://schemas.microsoft.com/office/drawing/2014/main" id="{D9A06C6C-2CD6-C3F2-B140-7834C1FBBEA1}"/>
               </a:ext>
             </a:extLst>
           </p:cNvPr>
@@ -1450,7 +1450,7 @@
           <a:bodyPr/>
           <a:lstStyle/>
           <a:p>
-            <a:fld id="{19005E58-2C6C-450B-A3F0-3AEA9F9FF0C8}" type="slidenum">
+            <a:fld id="{2C8C33BE-439E-4DE9-999D-744D9B4C5248}" type="slidenum">
               <a:rPr lang="zh-CN" altLang="en-US" smtClean="0"/>
               <a:t>‹#›</a:t>
             </a:fld>
@@ -1461,7 +1461,7 @@
     </p:spTree>
     <p:extLst>
       <p:ext uri="{BB962C8B-B14F-4D97-AF65-F5344CB8AC3E}">
-        <p14:creationId xmlns:p14="http://schemas.microsoft.com/office/powerpoint/2010/main" val="3046809085"/>
+        <p14:creationId xmlns:p14="http://schemas.microsoft.com/office/powerpoint/2010/main" val="406656725"/>
       </p:ext>
     </p:extLst>
   </p:cSld>
@@ -1493,7 +1493,7 @@
           <p:cNvPr id="2" name="标题 1">
             <a:extLst>
               <a:ext uri="{FF2B5EF4-FFF2-40B4-BE49-F238E27FC236}">
-                <a16:creationId xmlns:a16="http://schemas.microsoft.com/office/drawing/2014/main" id="{0993E284-3D65-A8C1-ED40-E662C63A7236}"/>
+                <a16:creationId xmlns:a16="http://schemas.microsoft.com/office/drawing/2014/main" id="{70023CD3-223A-D95D-DD74-A340E9F6512C}"/>
               </a:ext>
             </a:extLst>
           </p:cNvPr>
@@ -1526,7 +1526,7 @@
           <p:cNvPr id="3" name="文本占位符 2">
             <a:extLst>
               <a:ext uri="{FF2B5EF4-FFF2-40B4-BE49-F238E27FC236}">
-                <a16:creationId xmlns:a16="http://schemas.microsoft.com/office/drawing/2014/main" id="{0D2518C6-146F-2071-7090-318328877C44}"/>
+                <a16:creationId xmlns:a16="http://schemas.microsoft.com/office/drawing/2014/main" id="{987B18A0-9919-349D-E316-26CD40F8E81F}"/>
               </a:ext>
             </a:extLst>
           </p:cNvPr>
@@ -1597,7 +1597,7 @@
           <p:cNvPr id="4" name="内容占位符 3">
             <a:extLst>
               <a:ext uri="{FF2B5EF4-FFF2-40B4-BE49-F238E27FC236}">
-                <a16:creationId xmlns:a16="http://schemas.microsoft.com/office/drawing/2014/main" id="{A3D01DAB-32AD-C324-9E3D-FBA912E9F47A}"/>
+                <a16:creationId xmlns:a16="http://schemas.microsoft.com/office/drawing/2014/main" id="{1F3C7C17-F313-1758-97DD-175FF5D68F59}"/>
               </a:ext>
             </a:extLst>
           </p:cNvPr>
@@ -1659,7 +1659,7 @@
           <p:cNvPr id="5" name="文本占位符 4">
             <a:extLst>
               <a:ext uri="{FF2B5EF4-FFF2-40B4-BE49-F238E27FC236}">
-                <a16:creationId xmlns:a16="http://schemas.microsoft.com/office/drawing/2014/main" id="{ED2D5D8E-3887-473C-A366-C273CF872F58}"/>
+                <a16:creationId xmlns:a16="http://schemas.microsoft.com/office/drawing/2014/main" id="{777C2059-FF2B-FA5D-8A9D-9D331F1A8BD8}"/>
               </a:ext>
             </a:extLst>
           </p:cNvPr>
@@ -1730,7 +1730,7 @@
           <p:cNvPr id="6" name="内容占位符 5">
             <a:extLst>
               <a:ext uri="{FF2B5EF4-FFF2-40B4-BE49-F238E27FC236}">
-                <a16:creationId xmlns:a16="http://schemas.microsoft.com/office/drawing/2014/main" id="{0AC1649A-ECBC-565D-10B2-926788859CDF}"/>
+                <a16:creationId xmlns:a16="http://schemas.microsoft.com/office/drawing/2014/main" id="{5F80C5CC-21FB-5002-B646-150E992F2B27}"/>
               </a:ext>
             </a:extLst>
           </p:cNvPr>
@@ -1792,7 +1792,7 @@
           <p:cNvPr id="7" name="日期占位符 6">
             <a:extLst>
               <a:ext uri="{FF2B5EF4-FFF2-40B4-BE49-F238E27FC236}">
-                <a16:creationId xmlns:a16="http://schemas.microsoft.com/office/drawing/2014/main" id="{5AF7A4F4-C8A3-FE5C-9192-76FF0F6BF01A}"/>
+                <a16:creationId xmlns:a16="http://schemas.microsoft.com/office/drawing/2014/main" id="{59DB3BE5-8C52-F825-2001-8E61D56B0D73}"/>
               </a:ext>
             </a:extLst>
           </p:cNvPr>
@@ -1808,7 +1808,7 @@
           <a:bodyPr/>
           <a:lstStyle/>
           <a:p>
-            <a:fld id="{F629FCA8-2339-49E5-A69E-7BF76367EAB5}" type="datetimeFigureOut">
+            <a:fld id="{39D97BA3-1DD4-4914-B79A-2A256B2D12C9}" type="datetimeFigureOut">
               <a:rPr lang="zh-CN" altLang="en-US" smtClean="0"/>
               <a:t>2024/3/10</a:t>
             </a:fld>
@@ -1821,7 +1821,7 @@
           <p:cNvPr id="8" name="页脚占位符 7">
             <a:extLst>
               <a:ext uri="{FF2B5EF4-FFF2-40B4-BE49-F238E27FC236}">
-                <a16:creationId xmlns:a16="http://schemas.microsoft.com/office/drawing/2014/main" id="{9C69CE14-80C5-42DC-6C2A-3968F79B60C2}"/>
+                <a16:creationId xmlns:a16="http://schemas.microsoft.com/office/drawing/2014/main" id="{0C440309-4816-0031-9103-FFD31A1AA6D7}"/>
               </a:ext>
             </a:extLst>
           </p:cNvPr>
@@ -1846,7 +1846,7 @@
           <p:cNvPr id="9" name="灯片编号占位符 8">
             <a:extLst>
               <a:ext uri="{FF2B5EF4-FFF2-40B4-BE49-F238E27FC236}">
-                <a16:creationId xmlns:a16="http://schemas.microsoft.com/office/drawing/2014/main" id="{B3B1EF68-14BF-37CB-37D8-336D3F9BAD38}"/>
+                <a16:creationId xmlns:a16="http://schemas.microsoft.com/office/drawing/2014/main" id="{0385D708-DF81-6F3E-FA86-8C28F2A7CAD1}"/>
               </a:ext>
             </a:extLst>
           </p:cNvPr>
@@ -1862,7 +1862,7 @@
           <a:bodyPr/>
           <a:lstStyle/>
           <a:p>
-            <a:fld id="{19005E58-2C6C-450B-A3F0-3AEA9F9FF0C8}" type="slidenum">
+            <a:fld id="{2C8C33BE-439E-4DE9-999D-744D9B4C5248}" type="slidenum">
               <a:rPr lang="zh-CN" altLang="en-US" smtClean="0"/>
               <a:t>‹#›</a:t>
             </a:fld>
@@ -1873,7 +1873,7 @@
     </p:spTree>
     <p:extLst>
       <p:ext uri="{BB962C8B-B14F-4D97-AF65-F5344CB8AC3E}">
-        <p14:creationId xmlns:p14="http://schemas.microsoft.com/office/powerpoint/2010/main" val="4217833798"/>
+        <p14:creationId xmlns:p14="http://schemas.microsoft.com/office/powerpoint/2010/main" val="2848185428"/>
       </p:ext>
     </p:extLst>
   </p:cSld>
@@ -1905,7 +1905,7 @@
           <p:cNvPr id="2" name="标题 1">
             <a:extLst>
               <a:ext uri="{FF2B5EF4-FFF2-40B4-BE49-F238E27FC236}">
-                <a16:creationId xmlns:a16="http://schemas.microsoft.com/office/drawing/2014/main" id="{CB7390B5-BF23-2420-62CF-6F5247B89DB9}"/>
+                <a16:creationId xmlns:a16="http://schemas.microsoft.com/office/drawing/2014/main" id="{78ADFE9C-A0F1-F91F-0B3A-819454D3A1D2}"/>
               </a:ext>
             </a:extLst>
           </p:cNvPr>
@@ -1933,7 +1933,7 @@
           <p:cNvPr id="3" name="日期占位符 2">
             <a:extLst>
               <a:ext uri="{FF2B5EF4-FFF2-40B4-BE49-F238E27FC236}">
-                <a16:creationId xmlns:a16="http://schemas.microsoft.com/office/drawing/2014/main" id="{D293C0EA-123D-F0E7-B73D-B6F4EC135E01}"/>
+                <a16:creationId xmlns:a16="http://schemas.microsoft.com/office/drawing/2014/main" id="{DF9A5975-E332-F958-BEBA-778E876700B8}"/>
               </a:ext>
             </a:extLst>
           </p:cNvPr>
@@ -1949,7 +1949,7 @@
           <a:bodyPr/>
           <a:lstStyle/>
           <a:p>
-            <a:fld id="{F629FCA8-2339-49E5-A69E-7BF76367EAB5}" type="datetimeFigureOut">
+            <a:fld id="{39D97BA3-1DD4-4914-B79A-2A256B2D12C9}" type="datetimeFigureOut">
               <a:rPr lang="zh-CN" altLang="en-US" smtClean="0"/>
               <a:t>2024/3/10</a:t>
             </a:fld>
@@ -1962,7 +1962,7 @@
           <p:cNvPr id="4" name="页脚占位符 3">
             <a:extLst>
               <a:ext uri="{FF2B5EF4-FFF2-40B4-BE49-F238E27FC236}">
-                <a16:creationId xmlns:a16="http://schemas.microsoft.com/office/drawing/2014/main" id="{3E27F96A-B77B-3771-F0C1-C337FC8D06D2}"/>
+                <a16:creationId xmlns:a16="http://schemas.microsoft.com/office/drawing/2014/main" id="{3DE07790-3E48-6369-B2CD-8434CBBEFCAD}"/>
               </a:ext>
             </a:extLst>
           </p:cNvPr>
@@ -1987,7 +1987,7 @@
           <p:cNvPr id="5" name="灯片编号占位符 4">
             <a:extLst>
               <a:ext uri="{FF2B5EF4-FFF2-40B4-BE49-F238E27FC236}">
-                <a16:creationId xmlns:a16="http://schemas.microsoft.com/office/drawing/2014/main" id="{6118BD98-B4E1-F73E-EFE5-EA5BB5B51A01}"/>
+                <a16:creationId xmlns:a16="http://schemas.microsoft.com/office/drawing/2014/main" id="{28CB66DA-46CD-B90B-6491-F2422116E3AC}"/>
               </a:ext>
             </a:extLst>
           </p:cNvPr>
@@ -2003,7 +2003,7 @@
           <a:bodyPr/>
           <a:lstStyle/>
           <a:p>
-            <a:fld id="{19005E58-2C6C-450B-A3F0-3AEA9F9FF0C8}" type="slidenum">
+            <a:fld id="{2C8C33BE-439E-4DE9-999D-744D9B4C5248}" type="slidenum">
               <a:rPr lang="zh-CN" altLang="en-US" smtClean="0"/>
               <a:t>‹#›</a:t>
             </a:fld>
@@ -2014,7 +2014,7 @@
     </p:spTree>
     <p:extLst>
       <p:ext uri="{BB962C8B-B14F-4D97-AF65-F5344CB8AC3E}">
-        <p14:creationId xmlns:p14="http://schemas.microsoft.com/office/powerpoint/2010/main" val="3350566016"/>
+        <p14:creationId xmlns:p14="http://schemas.microsoft.com/office/powerpoint/2010/main" val="926750695"/>
       </p:ext>
     </p:extLst>
   </p:cSld>
@@ -2046,7 +2046,7 @@
           <p:cNvPr id="2" name="日期占位符 1">
             <a:extLst>
               <a:ext uri="{FF2B5EF4-FFF2-40B4-BE49-F238E27FC236}">
-                <a16:creationId xmlns:a16="http://schemas.microsoft.com/office/drawing/2014/main" id="{D6460127-7749-F6F2-DC96-0F19C37A2183}"/>
+                <a16:creationId xmlns:a16="http://schemas.microsoft.com/office/drawing/2014/main" id="{F4E49B39-9487-EA1E-5EE1-40F1E4337FF4}"/>
               </a:ext>
             </a:extLst>
           </p:cNvPr>
@@ -2062,7 +2062,7 @@
           <a:bodyPr/>
           <a:lstStyle/>
           <a:p>
-            <a:fld id="{F629FCA8-2339-49E5-A69E-7BF76367EAB5}" type="datetimeFigureOut">
+            <a:fld id="{39D97BA3-1DD4-4914-B79A-2A256B2D12C9}" type="datetimeFigureOut">
               <a:rPr lang="zh-CN" altLang="en-US" smtClean="0"/>
               <a:t>2024/3/10</a:t>
             </a:fld>
@@ -2075,7 +2075,7 @@
           <p:cNvPr id="3" name="页脚占位符 2">
             <a:extLst>
               <a:ext uri="{FF2B5EF4-FFF2-40B4-BE49-F238E27FC236}">
-                <a16:creationId xmlns:a16="http://schemas.microsoft.com/office/drawing/2014/main" id="{3CF82F2D-5BD2-951B-4D7E-E0E4982B198A}"/>
+                <a16:creationId xmlns:a16="http://schemas.microsoft.com/office/drawing/2014/main" id="{9F618DE8-6870-273F-605E-5B995A7D6C42}"/>
               </a:ext>
             </a:extLst>
           </p:cNvPr>
@@ -2100,7 +2100,7 @@
           <p:cNvPr id="4" name="灯片编号占位符 3">
             <a:extLst>
               <a:ext uri="{FF2B5EF4-FFF2-40B4-BE49-F238E27FC236}">
-                <a16:creationId xmlns:a16="http://schemas.microsoft.com/office/drawing/2014/main" id="{0EF71AAE-5001-A438-901F-4D6613842F5D}"/>
+                <a16:creationId xmlns:a16="http://schemas.microsoft.com/office/drawing/2014/main" id="{4BF16338-DFB5-3A87-39A5-167698C7A91B}"/>
               </a:ext>
             </a:extLst>
           </p:cNvPr>
@@ -2116,7 +2116,7 @@
           <a:bodyPr/>
           <a:lstStyle/>
           <a:p>
-            <a:fld id="{19005E58-2C6C-450B-A3F0-3AEA9F9FF0C8}" type="slidenum">
+            <a:fld id="{2C8C33BE-439E-4DE9-999D-744D9B4C5248}" type="slidenum">
               <a:rPr lang="zh-CN" altLang="en-US" smtClean="0"/>
               <a:t>‹#›</a:t>
             </a:fld>
@@ -2127,7 +2127,7 @@
     </p:spTree>
     <p:extLst>
       <p:ext uri="{BB962C8B-B14F-4D97-AF65-F5344CB8AC3E}">
-        <p14:creationId xmlns:p14="http://schemas.microsoft.com/office/powerpoint/2010/main" val="1491069663"/>
+        <p14:creationId xmlns:p14="http://schemas.microsoft.com/office/powerpoint/2010/main" val="1014293367"/>
       </p:ext>
     </p:extLst>
   </p:cSld>
@@ -2159,7 +2159,7 @@
           <p:cNvPr id="2" name="标题 1">
             <a:extLst>
               <a:ext uri="{FF2B5EF4-FFF2-40B4-BE49-F238E27FC236}">
-                <a16:creationId xmlns:a16="http://schemas.microsoft.com/office/drawing/2014/main" id="{A798E405-9729-07BA-68EF-875F3594FB87}"/>
+                <a16:creationId xmlns:a16="http://schemas.microsoft.com/office/drawing/2014/main" id="{8E54445C-4EF4-0BE4-BC02-178921FCFFD4}"/>
               </a:ext>
             </a:extLst>
           </p:cNvPr>
@@ -2196,7 +2196,7 @@
           <p:cNvPr id="3" name="内容占位符 2">
             <a:extLst>
               <a:ext uri="{FF2B5EF4-FFF2-40B4-BE49-F238E27FC236}">
-                <a16:creationId xmlns:a16="http://schemas.microsoft.com/office/drawing/2014/main" id="{F7BCA36F-0D6E-AC6B-C57A-DFE4DB975373}"/>
+                <a16:creationId xmlns:a16="http://schemas.microsoft.com/office/drawing/2014/main" id="{E19A5426-5C7A-57C3-8591-05A7801BFB86}"/>
               </a:ext>
             </a:extLst>
           </p:cNvPr>
@@ -2286,7 +2286,7 @@
           <p:cNvPr id="4" name="文本占位符 3">
             <a:extLst>
               <a:ext uri="{FF2B5EF4-FFF2-40B4-BE49-F238E27FC236}">
-                <a16:creationId xmlns:a16="http://schemas.microsoft.com/office/drawing/2014/main" id="{D9AECA36-8CE2-16CA-6E04-57444EF7DC84}"/>
+                <a16:creationId xmlns:a16="http://schemas.microsoft.com/office/drawing/2014/main" id="{03887115-FEA3-DD25-41CC-0739BF42C984}"/>
               </a:ext>
             </a:extLst>
           </p:cNvPr>
@@ -2357,7 +2357,7 @@
           <p:cNvPr id="5" name="日期占位符 4">
             <a:extLst>
               <a:ext uri="{FF2B5EF4-FFF2-40B4-BE49-F238E27FC236}">
-                <a16:creationId xmlns:a16="http://schemas.microsoft.com/office/drawing/2014/main" id="{B8EBB62D-25C8-8D53-0371-1411DAA7D6E7}"/>
+                <a16:creationId xmlns:a16="http://schemas.microsoft.com/office/drawing/2014/main" id="{03F39465-8245-4E8F-C0FE-D01545617C22}"/>
               </a:ext>
             </a:extLst>
           </p:cNvPr>
@@ -2373,7 +2373,7 @@
           <a:bodyPr/>
           <a:lstStyle/>
           <a:p>
-            <a:fld id="{F629FCA8-2339-49E5-A69E-7BF76367EAB5}" type="datetimeFigureOut">
+            <a:fld id="{39D97BA3-1DD4-4914-B79A-2A256B2D12C9}" type="datetimeFigureOut">
               <a:rPr lang="zh-CN" altLang="en-US" smtClean="0"/>
               <a:t>2024/3/10</a:t>
             </a:fld>
@@ -2386,7 +2386,7 @@
           <p:cNvPr id="6" name="页脚占位符 5">
             <a:extLst>
               <a:ext uri="{FF2B5EF4-FFF2-40B4-BE49-F238E27FC236}">
-                <a16:creationId xmlns:a16="http://schemas.microsoft.com/office/drawing/2014/main" id="{11B84A8E-9592-1030-DCB5-AC106801B949}"/>
+                <a16:creationId xmlns:a16="http://schemas.microsoft.com/office/drawing/2014/main" id="{51EDA5EB-C18B-F060-1630-542BCFEE0899}"/>
               </a:ext>
             </a:extLst>
           </p:cNvPr>
@@ -2411,7 +2411,7 @@
           <p:cNvPr id="7" name="灯片编号占位符 6">
             <a:extLst>
               <a:ext uri="{FF2B5EF4-FFF2-40B4-BE49-F238E27FC236}">
-                <a16:creationId xmlns:a16="http://schemas.microsoft.com/office/drawing/2014/main" id="{A8B5A6CE-5D5A-78AE-E646-508FAAA3339B}"/>
+                <a16:creationId xmlns:a16="http://schemas.microsoft.com/office/drawing/2014/main" id="{8AB909F1-9B91-F9E8-433E-841F0AD89C3C}"/>
               </a:ext>
             </a:extLst>
           </p:cNvPr>
@@ -2427,7 +2427,7 @@
           <a:bodyPr/>
           <a:lstStyle/>
           <a:p>
-            <a:fld id="{19005E58-2C6C-450B-A3F0-3AEA9F9FF0C8}" type="slidenum">
+            <a:fld id="{2C8C33BE-439E-4DE9-999D-744D9B4C5248}" type="slidenum">
               <a:rPr lang="zh-CN" altLang="en-US" smtClean="0"/>
               <a:t>‹#›</a:t>
             </a:fld>
@@ -2438,7 +2438,7 @@
     </p:spTree>
     <p:extLst>
       <p:ext uri="{BB962C8B-B14F-4D97-AF65-F5344CB8AC3E}">
-        <p14:creationId xmlns:p14="http://schemas.microsoft.com/office/powerpoint/2010/main" val="770825239"/>
+        <p14:creationId xmlns:p14="http://schemas.microsoft.com/office/powerpoint/2010/main" val="208795619"/>
       </p:ext>
     </p:extLst>
   </p:cSld>
@@ -2470,7 +2470,7 @@
           <p:cNvPr id="2" name="标题 1">
             <a:extLst>
               <a:ext uri="{FF2B5EF4-FFF2-40B4-BE49-F238E27FC236}">
-                <a16:creationId xmlns:a16="http://schemas.microsoft.com/office/drawing/2014/main" id="{F2735370-0002-8F07-7868-33B806D17B3C}"/>
+                <a16:creationId xmlns:a16="http://schemas.microsoft.com/office/drawing/2014/main" id="{6BDEA657-3EBD-C132-1D41-5C06E85A0047}"/>
               </a:ext>
             </a:extLst>
           </p:cNvPr>
@@ -2507,7 +2507,7 @@
           <p:cNvPr id="3" name="图片占位符 2">
             <a:extLst>
               <a:ext uri="{FF2B5EF4-FFF2-40B4-BE49-F238E27FC236}">
-                <a16:creationId xmlns:a16="http://schemas.microsoft.com/office/drawing/2014/main" id="{5797574B-018D-2F60-2362-5808E85BD8BE}"/>
+                <a16:creationId xmlns:a16="http://schemas.microsoft.com/office/drawing/2014/main" id="{4DE4F55A-B7B0-D1A4-0577-C7CEC4965870}"/>
               </a:ext>
             </a:extLst>
           </p:cNvPr>
@@ -2574,7 +2574,7 @@
           <p:cNvPr id="4" name="文本占位符 3">
             <a:extLst>
               <a:ext uri="{FF2B5EF4-FFF2-40B4-BE49-F238E27FC236}">
-                <a16:creationId xmlns:a16="http://schemas.microsoft.com/office/drawing/2014/main" id="{B55CCB77-ADB5-7F22-0961-8AB58ADC3ABA}"/>
+                <a16:creationId xmlns:a16="http://schemas.microsoft.com/office/drawing/2014/main" id="{A556C472-EE14-EB49-5D0D-82B80F62DE9E}"/>
               </a:ext>
             </a:extLst>
           </p:cNvPr>
@@ -2645,7 +2645,7 @@
           <p:cNvPr id="5" name="日期占位符 4">
             <a:extLst>
               <a:ext uri="{FF2B5EF4-FFF2-40B4-BE49-F238E27FC236}">
-                <a16:creationId xmlns:a16="http://schemas.microsoft.com/office/drawing/2014/main" id="{B7ABAA59-5C0B-6A03-5CF3-AB2E42E93AB2}"/>
+                <a16:creationId xmlns:a16="http://schemas.microsoft.com/office/drawing/2014/main" id="{61942604-F0B8-0204-7A93-27A9D9038539}"/>
               </a:ext>
             </a:extLst>
           </p:cNvPr>
@@ -2661,7 +2661,7 @@
           <a:bodyPr/>
           <a:lstStyle/>
           <a:p>
-            <a:fld id="{F629FCA8-2339-49E5-A69E-7BF76367EAB5}" type="datetimeFigureOut">
+            <a:fld id="{39D97BA3-1DD4-4914-B79A-2A256B2D12C9}" type="datetimeFigureOut">
               <a:rPr lang="zh-CN" altLang="en-US" smtClean="0"/>
               <a:t>2024/3/10</a:t>
             </a:fld>
@@ -2674,7 +2674,7 @@
           <p:cNvPr id="6" name="页脚占位符 5">
             <a:extLst>
               <a:ext uri="{FF2B5EF4-FFF2-40B4-BE49-F238E27FC236}">
-                <a16:creationId xmlns:a16="http://schemas.microsoft.com/office/drawing/2014/main" id="{D13E2B6C-D92C-7997-5364-279DF0F3D56D}"/>
+                <a16:creationId xmlns:a16="http://schemas.microsoft.com/office/drawing/2014/main" id="{160C0BB8-C8C4-6F92-AC0A-88B753AF249D}"/>
               </a:ext>
             </a:extLst>
           </p:cNvPr>
@@ -2699,7 +2699,7 @@
           <p:cNvPr id="7" name="灯片编号占位符 6">
             <a:extLst>
               <a:ext uri="{FF2B5EF4-FFF2-40B4-BE49-F238E27FC236}">
-                <a16:creationId xmlns:a16="http://schemas.microsoft.com/office/drawing/2014/main" id="{9A29D823-B2CA-6797-25F2-60DD65979385}"/>
+                <a16:creationId xmlns:a16="http://schemas.microsoft.com/office/drawing/2014/main" id="{C25C2A1E-73DB-A71D-5649-B9346EE69BF1}"/>
               </a:ext>
             </a:extLst>
           </p:cNvPr>
@@ -2715,7 +2715,7 @@
           <a:bodyPr/>
           <a:lstStyle/>
           <a:p>
-            <a:fld id="{19005E58-2C6C-450B-A3F0-3AEA9F9FF0C8}" type="slidenum">
+            <a:fld id="{2C8C33BE-439E-4DE9-999D-744D9B4C5248}" type="slidenum">
               <a:rPr lang="zh-CN" altLang="en-US" smtClean="0"/>
               <a:t>‹#›</a:t>
             </a:fld>
@@ -2726,7 +2726,7 @@
     </p:spTree>
     <p:extLst>
       <p:ext uri="{BB962C8B-B14F-4D97-AF65-F5344CB8AC3E}">
-        <p14:creationId xmlns:p14="http://schemas.microsoft.com/office/powerpoint/2010/main" val="998294073"/>
+        <p14:creationId xmlns:p14="http://schemas.microsoft.com/office/powerpoint/2010/main" val="3063752838"/>
       </p:ext>
     </p:extLst>
   </p:cSld>
@@ -2763,7 +2763,7 @@
           <p:cNvPr id="2" name="标题占位符 1">
             <a:extLst>
               <a:ext uri="{FF2B5EF4-FFF2-40B4-BE49-F238E27FC236}">
-                <a16:creationId xmlns:a16="http://schemas.microsoft.com/office/drawing/2014/main" id="{D00DADAF-96FB-AF21-C37D-E1C38ABBE804}"/>
+                <a16:creationId xmlns:a16="http://schemas.microsoft.com/office/drawing/2014/main" id="{5883F98F-A532-E621-24C1-490F7839A617}"/>
               </a:ext>
             </a:extLst>
           </p:cNvPr>
@@ -2801,7 +2801,7 @@
           <p:cNvPr id="3" name="文本占位符 2">
             <a:extLst>
               <a:ext uri="{FF2B5EF4-FFF2-40B4-BE49-F238E27FC236}">
-                <a16:creationId xmlns:a16="http://schemas.microsoft.com/office/drawing/2014/main" id="{BDD3BAA6-F1FE-E08B-6E95-A527FF9D32ED}"/>
+                <a16:creationId xmlns:a16="http://schemas.microsoft.com/office/drawing/2014/main" id="{B2090580-6F0A-41F7-2DAC-A1442EFDD5DF}"/>
               </a:ext>
             </a:extLst>
           </p:cNvPr>
@@ -2868,7 +2868,7 @@
           <p:cNvPr id="4" name="日期占位符 3">
             <a:extLst>
               <a:ext uri="{FF2B5EF4-FFF2-40B4-BE49-F238E27FC236}">
-                <a16:creationId xmlns:a16="http://schemas.microsoft.com/office/drawing/2014/main" id="{EB177E0B-0C90-BE44-D99C-AC7B8540051B}"/>
+                <a16:creationId xmlns:a16="http://schemas.microsoft.com/office/drawing/2014/main" id="{EA364BE1-C854-0EC3-63A0-EBD34B6591E8}"/>
               </a:ext>
             </a:extLst>
           </p:cNvPr>
@@ -2902,7 +2902,7 @@
             </a:lvl1pPr>
           </a:lstStyle>
           <a:p>
-            <a:fld id="{F629FCA8-2339-49E5-A69E-7BF76367EAB5}" type="datetimeFigureOut">
+            <a:fld id="{39D97BA3-1DD4-4914-B79A-2A256B2D12C9}" type="datetimeFigureOut">
               <a:rPr lang="zh-CN" altLang="en-US" smtClean="0"/>
               <a:t>2024/3/10</a:t>
             </a:fld>
@@ -2915,7 +2915,7 @@
           <p:cNvPr id="5" name="页脚占位符 4">
             <a:extLst>
               <a:ext uri="{FF2B5EF4-FFF2-40B4-BE49-F238E27FC236}">
-                <a16:creationId xmlns:a16="http://schemas.microsoft.com/office/drawing/2014/main" id="{E9F5FAA3-0486-B5DD-9DA0-8D3ECB564CA5}"/>
+                <a16:creationId xmlns:a16="http://schemas.microsoft.com/office/drawing/2014/main" id="{B994E274-EFC4-D36E-2931-E9846F2FB460}"/>
               </a:ext>
             </a:extLst>
           </p:cNvPr>
@@ -2958,7 +2958,7 @@
           <p:cNvPr id="6" name="灯片编号占位符 5">
             <a:extLst>
               <a:ext uri="{FF2B5EF4-FFF2-40B4-BE49-F238E27FC236}">
-                <a16:creationId xmlns:a16="http://schemas.microsoft.com/office/drawing/2014/main" id="{03807BD5-843A-C3CE-5B6E-2C88C6DB01DF}"/>
+                <a16:creationId xmlns:a16="http://schemas.microsoft.com/office/drawing/2014/main" id="{CAF8805F-AB68-E8CF-51BD-B892B83CA0CF}"/>
               </a:ext>
             </a:extLst>
           </p:cNvPr>
@@ -2992,7 +2992,7 @@
             </a:lvl1pPr>
           </a:lstStyle>
           <a:p>
-            <a:fld id="{19005E58-2C6C-450B-A3F0-3AEA9F9FF0C8}" type="slidenum">
+            <a:fld id="{2C8C33BE-439E-4DE9-999D-744D9B4C5248}" type="slidenum">
               <a:rPr lang="zh-CN" altLang="en-US" smtClean="0"/>
               <a:t>‹#›</a:t>
             </a:fld>
@@ -3003,7 +3003,7 @@
     </p:spTree>
     <p:extLst>
       <p:ext uri="{BB962C8B-B14F-4D97-AF65-F5344CB8AC3E}">
-        <p14:creationId xmlns:p14="http://schemas.microsoft.com/office/powerpoint/2010/main" val="2787249064"/>
+        <p14:creationId xmlns:p14="http://schemas.microsoft.com/office/powerpoint/2010/main" val="4242591339"/>
       </p:ext>
     </p:extLst>
   </p:cSld>
@@ -3323,7 +3323,7 @@
       </p:grpSpPr>
       <p:pic>
         <p:nvPicPr>
-          <p:cNvPr id="803842" name="Picture 2" descr="784"/>
+          <p:cNvPr id="804866" name="Picture 2" descr="785"/>
           <p:cNvPicPr>
             <a:picLocks noChangeAspect="1" noChangeArrowheads="1"/>
           </p:cNvPicPr>
@@ -3375,158 +3375,11 @@
           </a:extLst>
         </p:spPr>
       </p:pic>
-      <p:pic>
-        <p:nvPicPr>
-          <p:cNvPr id="804867" name="Picture 3" descr="784-2"/>
-          <p:cNvPicPr>
-            <a:picLocks noChangeAspect="1" noChangeArrowheads="1"/>
-          </p:cNvPicPr>
-          <p:nvPr/>
-        </p:nvPicPr>
-        <p:blipFill>
-          <a:blip r:embed="rId3">
-            <a:extLst>
-              <a:ext uri="{28A0092B-C50C-407E-A947-70E740481C1C}">
-                <a14:useLocalDpi xmlns:a14="http://schemas.microsoft.com/office/drawing/2010/main" val="0"/>
-              </a:ext>
-            </a:extLst>
-          </a:blip>
-          <a:srcRect/>
-          <a:stretch>
-            <a:fillRect/>
-          </a:stretch>
-        </p:blipFill>
-        <p:spPr bwMode="auto">
-          <a:xfrm>
-            <a:off x="1560513" y="-12700"/>
-            <a:ext cx="9144000" cy="6843713"/>
-          </a:xfrm>
-          <a:prstGeom prst="rect">
-            <a:avLst/>
-          </a:prstGeom>
-          <a:noFill/>
-          <a:ln>
-            <a:noFill/>
-          </a:ln>
-          <a:effectLst/>
-          <a:extLst>
-            <a:ext uri="{909E8E84-426E-40DD-AFC4-6F175D3DCCD1}">
-              <a14:hiddenFill xmlns:a14="http://schemas.microsoft.com/office/drawing/2010/main">
-                <a:solidFill>
-                  <a:srgbClr val="FFFFFF"/>
-                </a:solidFill>
-              </a14:hiddenFill>
-            </a:ext>
-            <a:ext uri="{91240B29-F687-4F45-9708-019B960494DF}">
-              <a14:hiddenLine xmlns:a14="http://schemas.microsoft.com/office/drawing/2010/main" w="9525">
-                <a:solidFill>
-                  <a:srgbClr val="000000"/>
-                </a:solidFill>
-                <a:miter lim="800000"/>
-                <a:headEnd/>
-                <a:tailEnd/>
-              </a14:hiddenLine>
-            </a:ext>
-            <a:ext uri="{AF507438-7753-43E0-B8FC-AC1667EBCBE1}">
-              <a14:hiddenEffects xmlns:a14="http://schemas.microsoft.com/office/drawing/2010/main">
-                <a:effectLst>
-                  <a:outerShdw dist="35921" dir="2700000" algn="ctr" rotWithShape="0">
-                    <a:srgbClr val="808080"/>
-                  </a:outerShdw>
-                </a:effectLst>
-              </a14:hiddenEffects>
-            </a:ext>
-          </a:extLst>
-        </p:spPr>
-      </p:pic>
     </p:spTree>
   </p:cSld>
   <p:clrMapOvr>
     <a:masterClrMapping/>
   </p:clrMapOvr>
-  <p:timing>
-    <p:tnLst>
-      <p:par>
-        <p:cTn id="1" dur="indefinite" restart="never" nodeType="tmRoot">
-          <p:childTnLst>
-            <p:seq concurrent="1" nextAc="seek">
-              <p:cTn id="2" dur="indefinite" nodeType="mainSeq">
-                <p:childTnLst>
-                  <p:par>
-                    <p:cTn id="3" fill="hold" nodeType="clickPar">
-                      <p:stCondLst>
-                        <p:cond delay="indefinite"/>
-                      </p:stCondLst>
-                      <p:childTnLst>
-                        <p:par>
-                          <p:cTn id="4" fill="hold" nodeType="withGroup">
-                            <p:stCondLst>
-                              <p:cond delay="0"/>
-                            </p:stCondLst>
-                            <p:childTnLst>
-                              <p:par>
-                                <p:cTn id="5" presetID="10" presetClass="entr" presetSubtype="0" fill="hold" nodeType="clickEffect">
-                                  <p:stCondLst>
-                                    <p:cond delay="0"/>
-                                  </p:stCondLst>
-                                  <p:childTnLst>
-                                    <p:set>
-                                      <p:cBhvr>
-                                        <p:cTn id="6" dur="1" fill="hold">
-                                          <p:stCondLst>
-                                            <p:cond delay="0"/>
-                                          </p:stCondLst>
-                                        </p:cTn>
-                                        <p:tgtEl>
-                                          <p:spTgt spid="804867"/>
-                                        </p:tgtEl>
-                                        <p:attrNameLst>
-                                          <p:attrName>style.visibility</p:attrName>
-                                        </p:attrNameLst>
-                                      </p:cBhvr>
-                                      <p:to>
-                                        <p:strVal val="visible"/>
-                                      </p:to>
-                                    </p:set>
-                                    <p:animEffect transition="in" filter="fade">
-                                      <p:cBhvr>
-                                        <p:cTn id="7" dur="500"/>
-                                        <p:tgtEl>
-                                          <p:spTgt spid="804867"/>
-                                        </p:tgtEl>
-                                      </p:cBhvr>
-                                    </p:animEffect>
-                                  </p:childTnLst>
-                                </p:cTn>
-                              </p:par>
-                            </p:childTnLst>
-                          </p:cTn>
-                        </p:par>
-                      </p:childTnLst>
-                    </p:cTn>
-                  </p:par>
-                </p:childTnLst>
-              </p:cTn>
-              <p:prevCondLst>
-                <p:cond evt="onPrev" delay="0">
-                  <p:tgtEl>
-                    <p:sldTgt/>
-                  </p:tgtEl>
-                </p:cond>
-              </p:prevCondLst>
-              <p:nextCondLst>
-                <p:cond evt="onNext" delay="0">
-                  <p:tgtEl>
-                    <p:sldTgt/>
-                  </p:tgtEl>
-                </p:cond>
-              </p:nextCondLst>
-            </p:seq>
-          </p:childTnLst>
-        </p:cTn>
-      </p:par>
-    </p:tnLst>
-  </p:timing>
 </p:sld>
 </file>
 
